--- a/Calendario2023/Presentaciones/12_Direccionamiento.pptx
+++ b/Calendario2023/Presentaciones/12_Direccionamiento.pptx
@@ -224,7 +224,7 @@
           <a:p>
             <a:fld id="{2D445F07-8756-451B-A938-0248325FC7BB}" type="datetimeFigureOut">
               <a:rPr lang="es-MX" smtClean="0"/>
-              <a:t>22/05/2022</a:t>
+              <a:t>18/05/2023</a:t>
             </a:fld>
             <a:endParaRPr lang="es-MX" dirty="0"/>
           </a:p>
@@ -1315,7 +1315,7 @@
           <a:p>
             <a:fld id="{5E75A0DC-66C6-4CEC-A5EB-F8C97CEC3796}" type="datetimeFigureOut">
               <a:rPr lang="es-MX" smtClean="0"/>
-              <a:t>22/05/2022</a:t>
+              <a:t>18/05/2023</a:t>
             </a:fld>
             <a:endParaRPr lang="es-MX" dirty="0"/>
           </a:p>
@@ -1485,7 +1485,7 @@
           <a:p>
             <a:fld id="{5E75A0DC-66C6-4CEC-A5EB-F8C97CEC3796}" type="datetimeFigureOut">
               <a:rPr lang="es-MX" smtClean="0"/>
-              <a:t>22/05/2022</a:t>
+              <a:t>18/05/2023</a:t>
             </a:fld>
             <a:endParaRPr lang="es-MX" dirty="0"/>
           </a:p>
@@ -1665,7 +1665,7 @@
           <a:p>
             <a:fld id="{5E75A0DC-66C6-4CEC-A5EB-F8C97CEC3796}" type="datetimeFigureOut">
               <a:rPr lang="es-MX" smtClean="0"/>
-              <a:t>22/05/2022</a:t>
+              <a:t>18/05/2023</a:t>
             </a:fld>
             <a:endParaRPr lang="es-MX" dirty="0"/>
           </a:p>
@@ -1835,7 +1835,7 @@
           <a:p>
             <a:fld id="{5E75A0DC-66C6-4CEC-A5EB-F8C97CEC3796}" type="datetimeFigureOut">
               <a:rPr lang="es-MX" smtClean="0"/>
-              <a:t>22/05/2022</a:t>
+              <a:t>18/05/2023</a:t>
             </a:fld>
             <a:endParaRPr lang="es-MX" dirty="0"/>
           </a:p>
@@ -2081,7 +2081,7 @@
           <a:p>
             <a:fld id="{5E75A0DC-66C6-4CEC-A5EB-F8C97CEC3796}" type="datetimeFigureOut">
               <a:rPr lang="es-MX" smtClean="0"/>
-              <a:t>22/05/2022</a:t>
+              <a:t>18/05/2023</a:t>
             </a:fld>
             <a:endParaRPr lang="es-MX" dirty="0"/>
           </a:p>
@@ -2369,7 +2369,7 @@
           <a:p>
             <a:fld id="{5E75A0DC-66C6-4CEC-A5EB-F8C97CEC3796}" type="datetimeFigureOut">
               <a:rPr lang="es-MX" smtClean="0"/>
-              <a:t>22/05/2022</a:t>
+              <a:t>18/05/2023</a:t>
             </a:fld>
             <a:endParaRPr lang="es-MX" dirty="0"/>
           </a:p>
@@ -2791,7 +2791,7 @@
           <a:p>
             <a:fld id="{5E75A0DC-66C6-4CEC-A5EB-F8C97CEC3796}" type="datetimeFigureOut">
               <a:rPr lang="es-MX" smtClean="0"/>
-              <a:t>22/05/2022</a:t>
+              <a:t>18/05/2023</a:t>
             </a:fld>
             <a:endParaRPr lang="es-MX" dirty="0"/>
           </a:p>
@@ -2909,7 +2909,7 @@
           <a:p>
             <a:fld id="{5E75A0DC-66C6-4CEC-A5EB-F8C97CEC3796}" type="datetimeFigureOut">
               <a:rPr lang="es-MX" smtClean="0"/>
-              <a:t>22/05/2022</a:t>
+              <a:t>18/05/2023</a:t>
             </a:fld>
             <a:endParaRPr lang="es-MX" dirty="0"/>
           </a:p>
@@ -3004,7 +3004,7 @@
           <a:p>
             <a:fld id="{5E75A0DC-66C6-4CEC-A5EB-F8C97CEC3796}" type="datetimeFigureOut">
               <a:rPr lang="es-MX" smtClean="0"/>
-              <a:t>22/05/2022</a:t>
+              <a:t>18/05/2023</a:t>
             </a:fld>
             <a:endParaRPr lang="es-MX" dirty="0"/>
           </a:p>
@@ -3281,7 +3281,7 @@
           <a:p>
             <a:fld id="{5E75A0DC-66C6-4CEC-A5EB-F8C97CEC3796}" type="datetimeFigureOut">
               <a:rPr lang="es-MX" smtClean="0"/>
-              <a:t>22/05/2022</a:t>
+              <a:t>18/05/2023</a:t>
             </a:fld>
             <a:endParaRPr lang="es-MX" dirty="0"/>
           </a:p>
@@ -3534,7 +3534,7 @@
           <a:p>
             <a:fld id="{5E75A0DC-66C6-4CEC-A5EB-F8C97CEC3796}" type="datetimeFigureOut">
               <a:rPr lang="es-MX" smtClean="0"/>
-              <a:t>22/05/2022</a:t>
+              <a:t>18/05/2023</a:t>
             </a:fld>
             <a:endParaRPr lang="es-MX" dirty="0"/>
           </a:p>
@@ -3747,7 +3747,7 @@
           <a:p>
             <a:fld id="{5E75A0DC-66C6-4CEC-A5EB-F8C97CEC3796}" type="datetimeFigureOut">
               <a:rPr lang="es-MX" smtClean="0"/>
-              <a:t>22/05/2022</a:t>
+              <a:t>18/05/2023</a:t>
             </a:fld>
             <a:endParaRPr lang="es-MX" dirty="0"/>
           </a:p>
